--- a/ppt 16-9/1292.孩童赞美祂.pptx
+++ b/ppt 16-9/1292.孩童赞美祂.pptx
@@ -129,7 +129,7 @@
           <p:cNvPr id="2" name="标题 1">
             <a:extLst>
               <a:ext uri="{FF2B5EF4-FFF2-40B4-BE49-F238E27FC236}">
-                <a16:creationId xmlns:a16="http://schemas.microsoft.com/office/drawing/2014/main" id="{E3D64D0F-A718-42B4-B406-57DE920314DD}"/>
+                <a16:creationId xmlns:a16="http://schemas.microsoft.com/office/drawing/2014/main" id="{0AE4F1A8-FBC3-9966-989B-5101877379B3}"/>
               </a:ext>
             </a:extLst>
           </p:cNvPr>
@@ -166,7 +166,7 @@
           <p:cNvPr id="3" name="副标题 2">
             <a:extLst>
               <a:ext uri="{FF2B5EF4-FFF2-40B4-BE49-F238E27FC236}">
-                <a16:creationId xmlns:a16="http://schemas.microsoft.com/office/drawing/2014/main" id="{06FD52C4-2BB7-38C7-824A-B1AB30A92280}"/>
+                <a16:creationId xmlns:a16="http://schemas.microsoft.com/office/drawing/2014/main" id="{7F624C5C-F117-6653-9C1D-DEE7BC8FEB59}"/>
               </a:ext>
             </a:extLst>
           </p:cNvPr>
@@ -236,7 +236,7 @@
           <p:cNvPr id="4" name="日期占位符 3">
             <a:extLst>
               <a:ext uri="{FF2B5EF4-FFF2-40B4-BE49-F238E27FC236}">
-                <a16:creationId xmlns:a16="http://schemas.microsoft.com/office/drawing/2014/main" id="{642C89AB-3866-C19A-72D6-B90773718311}"/>
+                <a16:creationId xmlns:a16="http://schemas.microsoft.com/office/drawing/2014/main" id="{F9FD1395-5330-5766-0293-82D8341DE12D}"/>
               </a:ext>
             </a:extLst>
           </p:cNvPr>
@@ -252,7 +252,7 @@
           <a:bodyPr/>
           <a:lstStyle/>
           <a:p>
-            <a:fld id="{46D45EB6-4F7C-45C1-B006-C77B7B94AC9B}" type="datetimeFigureOut">
+            <a:fld id="{DC222F5B-35E0-4B1A-A4E1-61B9FD98285A}" type="datetimeFigureOut">
               <a:rPr lang="zh-CN" altLang="en-US" smtClean="0"/>
               <a:t>2024/3/10</a:t>
             </a:fld>
@@ -265,7 +265,7 @@
           <p:cNvPr id="5" name="页脚占位符 4">
             <a:extLst>
               <a:ext uri="{FF2B5EF4-FFF2-40B4-BE49-F238E27FC236}">
-                <a16:creationId xmlns:a16="http://schemas.microsoft.com/office/drawing/2014/main" id="{ABC27B1D-B6A9-1EE0-B61E-5590C79590CA}"/>
+                <a16:creationId xmlns:a16="http://schemas.microsoft.com/office/drawing/2014/main" id="{0F200B75-CD1A-B571-4891-7F229C367D1C}"/>
               </a:ext>
             </a:extLst>
           </p:cNvPr>
@@ -290,7 +290,7 @@
           <p:cNvPr id="6" name="灯片编号占位符 5">
             <a:extLst>
               <a:ext uri="{FF2B5EF4-FFF2-40B4-BE49-F238E27FC236}">
-                <a16:creationId xmlns:a16="http://schemas.microsoft.com/office/drawing/2014/main" id="{0794179D-9FE0-CA91-90E9-CE658E7B3CAD}"/>
+                <a16:creationId xmlns:a16="http://schemas.microsoft.com/office/drawing/2014/main" id="{EDEBD75C-F18F-6170-E81C-04FDE77B362F}"/>
               </a:ext>
             </a:extLst>
           </p:cNvPr>
@@ -306,7 +306,7 @@
           <a:bodyPr/>
           <a:lstStyle/>
           <a:p>
-            <a:fld id="{327FF12C-DD5B-437F-BFF1-009656822807}" type="slidenum">
+            <a:fld id="{24219FCB-6424-45D9-8B3C-1334E577BE33}" type="slidenum">
               <a:rPr lang="zh-CN" altLang="en-US" smtClean="0"/>
               <a:t>‹#›</a:t>
             </a:fld>
@@ -317,7 +317,7 @@
     </p:spTree>
     <p:extLst>
       <p:ext uri="{BB962C8B-B14F-4D97-AF65-F5344CB8AC3E}">
-        <p14:creationId xmlns:p14="http://schemas.microsoft.com/office/powerpoint/2010/main" val="1398367945"/>
+        <p14:creationId xmlns:p14="http://schemas.microsoft.com/office/powerpoint/2010/main" val="1426185607"/>
       </p:ext>
     </p:extLst>
   </p:cSld>
@@ -349,7 +349,7 @@
           <p:cNvPr id="2" name="标题 1">
             <a:extLst>
               <a:ext uri="{FF2B5EF4-FFF2-40B4-BE49-F238E27FC236}">
-                <a16:creationId xmlns:a16="http://schemas.microsoft.com/office/drawing/2014/main" id="{8DEA4877-178D-5228-6A6B-6D3F7A294D8B}"/>
+                <a16:creationId xmlns:a16="http://schemas.microsoft.com/office/drawing/2014/main" id="{C2820CCD-BB66-21D1-B8EE-1EC927D5BA1C}"/>
               </a:ext>
             </a:extLst>
           </p:cNvPr>
@@ -377,7 +377,7 @@
           <p:cNvPr id="3" name="竖排文字占位符 2">
             <a:extLst>
               <a:ext uri="{FF2B5EF4-FFF2-40B4-BE49-F238E27FC236}">
-                <a16:creationId xmlns:a16="http://schemas.microsoft.com/office/drawing/2014/main" id="{ED33EC66-D972-40DF-BC4C-3CF750C24257}"/>
+                <a16:creationId xmlns:a16="http://schemas.microsoft.com/office/drawing/2014/main" id="{094533C2-5C04-D0D3-2357-365E2F7EB92B}"/>
               </a:ext>
             </a:extLst>
           </p:cNvPr>
@@ -434,7 +434,7 @@
           <p:cNvPr id="4" name="日期占位符 3">
             <a:extLst>
               <a:ext uri="{FF2B5EF4-FFF2-40B4-BE49-F238E27FC236}">
-                <a16:creationId xmlns:a16="http://schemas.microsoft.com/office/drawing/2014/main" id="{45D72CFF-FC49-8498-FA73-7F818CC19943}"/>
+                <a16:creationId xmlns:a16="http://schemas.microsoft.com/office/drawing/2014/main" id="{9A47C022-EFE9-7DB0-26E9-85F5C59CD6DF}"/>
               </a:ext>
             </a:extLst>
           </p:cNvPr>
@@ -450,7 +450,7 @@
           <a:bodyPr/>
           <a:lstStyle/>
           <a:p>
-            <a:fld id="{46D45EB6-4F7C-45C1-B006-C77B7B94AC9B}" type="datetimeFigureOut">
+            <a:fld id="{DC222F5B-35E0-4B1A-A4E1-61B9FD98285A}" type="datetimeFigureOut">
               <a:rPr lang="zh-CN" altLang="en-US" smtClean="0"/>
               <a:t>2024/3/10</a:t>
             </a:fld>
@@ -463,7 +463,7 @@
           <p:cNvPr id="5" name="页脚占位符 4">
             <a:extLst>
               <a:ext uri="{FF2B5EF4-FFF2-40B4-BE49-F238E27FC236}">
-                <a16:creationId xmlns:a16="http://schemas.microsoft.com/office/drawing/2014/main" id="{17905EBB-4749-62DC-A745-182C25D6F1F1}"/>
+                <a16:creationId xmlns:a16="http://schemas.microsoft.com/office/drawing/2014/main" id="{ECA968B7-208F-F1A6-3351-09D6D800373B}"/>
               </a:ext>
             </a:extLst>
           </p:cNvPr>
@@ -488,7 +488,7 @@
           <p:cNvPr id="6" name="灯片编号占位符 5">
             <a:extLst>
               <a:ext uri="{FF2B5EF4-FFF2-40B4-BE49-F238E27FC236}">
-                <a16:creationId xmlns:a16="http://schemas.microsoft.com/office/drawing/2014/main" id="{604C1682-9F47-7F56-7C93-24A81F6B6869}"/>
+                <a16:creationId xmlns:a16="http://schemas.microsoft.com/office/drawing/2014/main" id="{D14877D6-B4EA-1688-6647-61DD5E02FB77}"/>
               </a:ext>
             </a:extLst>
           </p:cNvPr>
@@ -504,7 +504,7 @@
           <a:bodyPr/>
           <a:lstStyle/>
           <a:p>
-            <a:fld id="{327FF12C-DD5B-437F-BFF1-009656822807}" type="slidenum">
+            <a:fld id="{24219FCB-6424-45D9-8B3C-1334E577BE33}" type="slidenum">
               <a:rPr lang="zh-CN" altLang="en-US" smtClean="0"/>
               <a:t>‹#›</a:t>
             </a:fld>
@@ -515,7 +515,7 @@
     </p:spTree>
     <p:extLst>
       <p:ext uri="{BB962C8B-B14F-4D97-AF65-F5344CB8AC3E}">
-        <p14:creationId xmlns:p14="http://schemas.microsoft.com/office/powerpoint/2010/main" val="3525084415"/>
+        <p14:creationId xmlns:p14="http://schemas.microsoft.com/office/powerpoint/2010/main" val="680518340"/>
       </p:ext>
     </p:extLst>
   </p:cSld>
@@ -547,7 +547,7 @@
           <p:cNvPr id="2" name="竖排标题 1">
             <a:extLst>
               <a:ext uri="{FF2B5EF4-FFF2-40B4-BE49-F238E27FC236}">
-                <a16:creationId xmlns:a16="http://schemas.microsoft.com/office/drawing/2014/main" id="{9A4F09E1-C7FC-CA33-467E-44606E8FB653}"/>
+                <a16:creationId xmlns:a16="http://schemas.microsoft.com/office/drawing/2014/main" id="{319724E9-C8D4-1638-AE85-C440A193CABA}"/>
               </a:ext>
             </a:extLst>
           </p:cNvPr>
@@ -580,7 +580,7 @@
           <p:cNvPr id="3" name="竖排文字占位符 2">
             <a:extLst>
               <a:ext uri="{FF2B5EF4-FFF2-40B4-BE49-F238E27FC236}">
-                <a16:creationId xmlns:a16="http://schemas.microsoft.com/office/drawing/2014/main" id="{098F3D6D-3159-2E21-0537-0815AF845C58}"/>
+                <a16:creationId xmlns:a16="http://schemas.microsoft.com/office/drawing/2014/main" id="{A3923CAC-B768-7500-1E8E-4CAEFCD41DD2}"/>
               </a:ext>
             </a:extLst>
           </p:cNvPr>
@@ -642,7 +642,7 @@
           <p:cNvPr id="4" name="日期占位符 3">
             <a:extLst>
               <a:ext uri="{FF2B5EF4-FFF2-40B4-BE49-F238E27FC236}">
-                <a16:creationId xmlns:a16="http://schemas.microsoft.com/office/drawing/2014/main" id="{B62CBFBC-BE4A-B975-80D1-3773E668C26D}"/>
+                <a16:creationId xmlns:a16="http://schemas.microsoft.com/office/drawing/2014/main" id="{A7B9B7B8-7723-91B0-D519-800BF528CA58}"/>
               </a:ext>
             </a:extLst>
           </p:cNvPr>
@@ -658,7 +658,7 @@
           <a:bodyPr/>
           <a:lstStyle/>
           <a:p>
-            <a:fld id="{46D45EB6-4F7C-45C1-B006-C77B7B94AC9B}" type="datetimeFigureOut">
+            <a:fld id="{DC222F5B-35E0-4B1A-A4E1-61B9FD98285A}" type="datetimeFigureOut">
               <a:rPr lang="zh-CN" altLang="en-US" smtClean="0"/>
               <a:t>2024/3/10</a:t>
             </a:fld>
@@ -671,7 +671,7 @@
           <p:cNvPr id="5" name="页脚占位符 4">
             <a:extLst>
               <a:ext uri="{FF2B5EF4-FFF2-40B4-BE49-F238E27FC236}">
-                <a16:creationId xmlns:a16="http://schemas.microsoft.com/office/drawing/2014/main" id="{45CDCE22-17A3-056C-08FB-B62CDD059760}"/>
+                <a16:creationId xmlns:a16="http://schemas.microsoft.com/office/drawing/2014/main" id="{02073471-6AE7-394F-EF12-A102B2E47339}"/>
               </a:ext>
             </a:extLst>
           </p:cNvPr>
@@ -696,7 +696,7 @@
           <p:cNvPr id="6" name="灯片编号占位符 5">
             <a:extLst>
               <a:ext uri="{FF2B5EF4-FFF2-40B4-BE49-F238E27FC236}">
-                <a16:creationId xmlns:a16="http://schemas.microsoft.com/office/drawing/2014/main" id="{193FC96F-3531-5FCF-C7CD-0743DBEF9766}"/>
+                <a16:creationId xmlns:a16="http://schemas.microsoft.com/office/drawing/2014/main" id="{4212C5BC-AB83-EE9A-43AF-AF85E8D0296D}"/>
               </a:ext>
             </a:extLst>
           </p:cNvPr>
@@ -712,7 +712,7 @@
           <a:bodyPr/>
           <a:lstStyle/>
           <a:p>
-            <a:fld id="{327FF12C-DD5B-437F-BFF1-009656822807}" type="slidenum">
+            <a:fld id="{24219FCB-6424-45D9-8B3C-1334E577BE33}" type="slidenum">
               <a:rPr lang="zh-CN" altLang="en-US" smtClean="0"/>
               <a:t>‹#›</a:t>
             </a:fld>
@@ -723,7 +723,7 @@
     </p:spTree>
     <p:extLst>
       <p:ext uri="{BB962C8B-B14F-4D97-AF65-F5344CB8AC3E}">
-        <p14:creationId xmlns:p14="http://schemas.microsoft.com/office/powerpoint/2010/main" val="816950975"/>
+        <p14:creationId xmlns:p14="http://schemas.microsoft.com/office/powerpoint/2010/main" val="891620186"/>
       </p:ext>
     </p:extLst>
   </p:cSld>
@@ -755,7 +755,7 @@
           <p:cNvPr id="2" name="标题 1">
             <a:extLst>
               <a:ext uri="{FF2B5EF4-FFF2-40B4-BE49-F238E27FC236}">
-                <a16:creationId xmlns:a16="http://schemas.microsoft.com/office/drawing/2014/main" id="{6292A44B-95B0-EBD1-E6A9-131AC9B27C5B}"/>
+                <a16:creationId xmlns:a16="http://schemas.microsoft.com/office/drawing/2014/main" id="{4DB62044-D18E-0392-7B9D-002EA6C7EC60}"/>
               </a:ext>
             </a:extLst>
           </p:cNvPr>
@@ -783,7 +783,7 @@
           <p:cNvPr id="3" name="内容占位符 2">
             <a:extLst>
               <a:ext uri="{FF2B5EF4-FFF2-40B4-BE49-F238E27FC236}">
-                <a16:creationId xmlns:a16="http://schemas.microsoft.com/office/drawing/2014/main" id="{EE916AF7-0CC1-80F6-D43F-1C81B3EE34E7}"/>
+                <a16:creationId xmlns:a16="http://schemas.microsoft.com/office/drawing/2014/main" id="{5CB411BC-7D29-B351-8D6A-33F7EDEB6BED}"/>
               </a:ext>
             </a:extLst>
           </p:cNvPr>
@@ -840,7 +840,7 @@
           <p:cNvPr id="4" name="日期占位符 3">
             <a:extLst>
               <a:ext uri="{FF2B5EF4-FFF2-40B4-BE49-F238E27FC236}">
-                <a16:creationId xmlns:a16="http://schemas.microsoft.com/office/drawing/2014/main" id="{8714FFEA-603F-F37A-69C0-862CEC650070}"/>
+                <a16:creationId xmlns:a16="http://schemas.microsoft.com/office/drawing/2014/main" id="{50AB786B-E356-DDF0-DC27-D8D4C2F07842}"/>
               </a:ext>
             </a:extLst>
           </p:cNvPr>
@@ -856,7 +856,7 @@
           <a:bodyPr/>
           <a:lstStyle/>
           <a:p>
-            <a:fld id="{46D45EB6-4F7C-45C1-B006-C77B7B94AC9B}" type="datetimeFigureOut">
+            <a:fld id="{DC222F5B-35E0-4B1A-A4E1-61B9FD98285A}" type="datetimeFigureOut">
               <a:rPr lang="zh-CN" altLang="en-US" smtClean="0"/>
               <a:t>2024/3/10</a:t>
             </a:fld>
@@ -869,7 +869,7 @@
           <p:cNvPr id="5" name="页脚占位符 4">
             <a:extLst>
               <a:ext uri="{FF2B5EF4-FFF2-40B4-BE49-F238E27FC236}">
-                <a16:creationId xmlns:a16="http://schemas.microsoft.com/office/drawing/2014/main" id="{E15845CA-292D-87A9-D01D-BEDAE16C63E3}"/>
+                <a16:creationId xmlns:a16="http://schemas.microsoft.com/office/drawing/2014/main" id="{60B7B01A-CF53-8BA3-4CF4-7CA042984411}"/>
               </a:ext>
             </a:extLst>
           </p:cNvPr>
@@ -894,7 +894,7 @@
           <p:cNvPr id="6" name="灯片编号占位符 5">
             <a:extLst>
               <a:ext uri="{FF2B5EF4-FFF2-40B4-BE49-F238E27FC236}">
-                <a16:creationId xmlns:a16="http://schemas.microsoft.com/office/drawing/2014/main" id="{D80820FA-E49D-98D6-1964-BA7472E53C5A}"/>
+                <a16:creationId xmlns:a16="http://schemas.microsoft.com/office/drawing/2014/main" id="{79DCE5F8-5B05-6F31-825D-1D1138E293FC}"/>
               </a:ext>
             </a:extLst>
           </p:cNvPr>
@@ -910,7 +910,7 @@
           <a:bodyPr/>
           <a:lstStyle/>
           <a:p>
-            <a:fld id="{327FF12C-DD5B-437F-BFF1-009656822807}" type="slidenum">
+            <a:fld id="{24219FCB-6424-45D9-8B3C-1334E577BE33}" type="slidenum">
               <a:rPr lang="zh-CN" altLang="en-US" smtClean="0"/>
               <a:t>‹#›</a:t>
             </a:fld>
@@ -921,7 +921,7 @@
     </p:spTree>
     <p:extLst>
       <p:ext uri="{BB962C8B-B14F-4D97-AF65-F5344CB8AC3E}">
-        <p14:creationId xmlns:p14="http://schemas.microsoft.com/office/powerpoint/2010/main" val="2209028882"/>
+        <p14:creationId xmlns:p14="http://schemas.microsoft.com/office/powerpoint/2010/main" val="1175771226"/>
       </p:ext>
     </p:extLst>
   </p:cSld>
@@ -953,7 +953,7 @@
           <p:cNvPr id="2" name="标题 1">
             <a:extLst>
               <a:ext uri="{FF2B5EF4-FFF2-40B4-BE49-F238E27FC236}">
-                <a16:creationId xmlns:a16="http://schemas.microsoft.com/office/drawing/2014/main" id="{A383B909-7B33-177E-173D-8424C7D3F902}"/>
+                <a16:creationId xmlns:a16="http://schemas.microsoft.com/office/drawing/2014/main" id="{458F824F-3585-10ED-22DE-86A305788374}"/>
               </a:ext>
             </a:extLst>
           </p:cNvPr>
@@ -990,7 +990,7 @@
           <p:cNvPr id="3" name="文本占位符 2">
             <a:extLst>
               <a:ext uri="{FF2B5EF4-FFF2-40B4-BE49-F238E27FC236}">
-                <a16:creationId xmlns:a16="http://schemas.microsoft.com/office/drawing/2014/main" id="{9E2D94EA-5741-6F02-6D90-59C04AD17C58}"/>
+                <a16:creationId xmlns:a16="http://schemas.microsoft.com/office/drawing/2014/main" id="{5F7EADAB-FCB8-96B8-3712-51A717EC3FAD}"/>
               </a:ext>
             </a:extLst>
           </p:cNvPr>
@@ -1115,7 +1115,7 @@
           <p:cNvPr id="4" name="日期占位符 3">
             <a:extLst>
               <a:ext uri="{FF2B5EF4-FFF2-40B4-BE49-F238E27FC236}">
-                <a16:creationId xmlns:a16="http://schemas.microsoft.com/office/drawing/2014/main" id="{51A5C07F-07D1-BB5B-56E5-FD130CDB80D1}"/>
+                <a16:creationId xmlns:a16="http://schemas.microsoft.com/office/drawing/2014/main" id="{3FEB002E-6D74-338F-2CB4-1B1E4567AA2C}"/>
               </a:ext>
             </a:extLst>
           </p:cNvPr>
@@ -1131,7 +1131,7 @@
           <a:bodyPr/>
           <a:lstStyle/>
           <a:p>
-            <a:fld id="{46D45EB6-4F7C-45C1-B006-C77B7B94AC9B}" type="datetimeFigureOut">
+            <a:fld id="{DC222F5B-35E0-4B1A-A4E1-61B9FD98285A}" type="datetimeFigureOut">
               <a:rPr lang="zh-CN" altLang="en-US" smtClean="0"/>
               <a:t>2024/3/10</a:t>
             </a:fld>
@@ -1144,7 +1144,7 @@
           <p:cNvPr id="5" name="页脚占位符 4">
             <a:extLst>
               <a:ext uri="{FF2B5EF4-FFF2-40B4-BE49-F238E27FC236}">
-                <a16:creationId xmlns:a16="http://schemas.microsoft.com/office/drawing/2014/main" id="{FD36AABA-8755-D0D4-EFF7-A35F66666908}"/>
+                <a16:creationId xmlns:a16="http://schemas.microsoft.com/office/drawing/2014/main" id="{5AACD770-C43C-FE7D-9161-D1662B08C6B3}"/>
               </a:ext>
             </a:extLst>
           </p:cNvPr>
@@ -1169,7 +1169,7 @@
           <p:cNvPr id="6" name="灯片编号占位符 5">
             <a:extLst>
               <a:ext uri="{FF2B5EF4-FFF2-40B4-BE49-F238E27FC236}">
-                <a16:creationId xmlns:a16="http://schemas.microsoft.com/office/drawing/2014/main" id="{5A620389-B53B-C7B7-D7A0-9BD679CA37F2}"/>
+                <a16:creationId xmlns:a16="http://schemas.microsoft.com/office/drawing/2014/main" id="{BFA46DB5-4F70-6F4C-F972-C3C0D159267F}"/>
               </a:ext>
             </a:extLst>
           </p:cNvPr>
@@ -1185,7 +1185,7 @@
           <a:bodyPr/>
           <a:lstStyle/>
           <a:p>
-            <a:fld id="{327FF12C-DD5B-437F-BFF1-009656822807}" type="slidenum">
+            <a:fld id="{24219FCB-6424-45D9-8B3C-1334E577BE33}" type="slidenum">
               <a:rPr lang="zh-CN" altLang="en-US" smtClean="0"/>
               <a:t>‹#›</a:t>
             </a:fld>
@@ -1196,7 +1196,7 @@
     </p:spTree>
     <p:extLst>
       <p:ext uri="{BB962C8B-B14F-4D97-AF65-F5344CB8AC3E}">
-        <p14:creationId xmlns:p14="http://schemas.microsoft.com/office/powerpoint/2010/main" val="2727925864"/>
+        <p14:creationId xmlns:p14="http://schemas.microsoft.com/office/powerpoint/2010/main" val="2937531547"/>
       </p:ext>
     </p:extLst>
   </p:cSld>
@@ -1228,7 +1228,7 @@
           <p:cNvPr id="2" name="标题 1">
             <a:extLst>
               <a:ext uri="{FF2B5EF4-FFF2-40B4-BE49-F238E27FC236}">
-                <a16:creationId xmlns:a16="http://schemas.microsoft.com/office/drawing/2014/main" id="{468F7613-57D7-A7A8-3549-8D78E2CA9C43}"/>
+                <a16:creationId xmlns:a16="http://schemas.microsoft.com/office/drawing/2014/main" id="{202B21DB-7A0B-D8AE-B7E1-D28130B4847B}"/>
               </a:ext>
             </a:extLst>
           </p:cNvPr>
@@ -1256,7 +1256,7 @@
           <p:cNvPr id="3" name="内容占位符 2">
             <a:extLst>
               <a:ext uri="{FF2B5EF4-FFF2-40B4-BE49-F238E27FC236}">
-                <a16:creationId xmlns:a16="http://schemas.microsoft.com/office/drawing/2014/main" id="{B751479F-B74C-C135-D8CC-8CE16EB81CA9}"/>
+                <a16:creationId xmlns:a16="http://schemas.microsoft.com/office/drawing/2014/main" id="{97EE77FE-BCDE-668C-2B6A-EA6FC466C153}"/>
               </a:ext>
             </a:extLst>
           </p:cNvPr>
@@ -1318,7 +1318,7 @@
           <p:cNvPr id="4" name="内容占位符 3">
             <a:extLst>
               <a:ext uri="{FF2B5EF4-FFF2-40B4-BE49-F238E27FC236}">
-                <a16:creationId xmlns:a16="http://schemas.microsoft.com/office/drawing/2014/main" id="{64DC7264-B63A-9563-1D82-9F1CED5A6AFB}"/>
+                <a16:creationId xmlns:a16="http://schemas.microsoft.com/office/drawing/2014/main" id="{4B963610-5210-0E61-3DD9-DBA562D44AF8}"/>
               </a:ext>
             </a:extLst>
           </p:cNvPr>
@@ -1380,7 +1380,7 @@
           <p:cNvPr id="5" name="日期占位符 4">
             <a:extLst>
               <a:ext uri="{FF2B5EF4-FFF2-40B4-BE49-F238E27FC236}">
-                <a16:creationId xmlns:a16="http://schemas.microsoft.com/office/drawing/2014/main" id="{8517C61D-0CFD-4382-03A6-28BF0C7E468A}"/>
+                <a16:creationId xmlns:a16="http://schemas.microsoft.com/office/drawing/2014/main" id="{823BD609-9F50-58D2-7FB6-941763EC92D1}"/>
               </a:ext>
             </a:extLst>
           </p:cNvPr>
@@ -1396,7 +1396,7 @@
           <a:bodyPr/>
           <a:lstStyle/>
           <a:p>
-            <a:fld id="{46D45EB6-4F7C-45C1-B006-C77B7B94AC9B}" type="datetimeFigureOut">
+            <a:fld id="{DC222F5B-35E0-4B1A-A4E1-61B9FD98285A}" type="datetimeFigureOut">
               <a:rPr lang="zh-CN" altLang="en-US" smtClean="0"/>
               <a:t>2024/3/10</a:t>
             </a:fld>
@@ -1409,7 +1409,7 @@
           <p:cNvPr id="6" name="页脚占位符 5">
             <a:extLst>
               <a:ext uri="{FF2B5EF4-FFF2-40B4-BE49-F238E27FC236}">
-                <a16:creationId xmlns:a16="http://schemas.microsoft.com/office/drawing/2014/main" id="{47C0B1FE-4603-0C80-EFB6-6C42C89B2D46}"/>
+                <a16:creationId xmlns:a16="http://schemas.microsoft.com/office/drawing/2014/main" id="{124CCF6C-84E2-4676-1BE0-27177F852A3D}"/>
               </a:ext>
             </a:extLst>
           </p:cNvPr>
@@ -1434,7 +1434,7 @@
           <p:cNvPr id="7" name="灯片编号占位符 6">
             <a:extLst>
               <a:ext uri="{FF2B5EF4-FFF2-40B4-BE49-F238E27FC236}">
-                <a16:creationId xmlns:a16="http://schemas.microsoft.com/office/drawing/2014/main" id="{252E7AA9-3389-9EAF-A841-A31DC999E375}"/>
+                <a16:creationId xmlns:a16="http://schemas.microsoft.com/office/drawing/2014/main" id="{95C010CC-DB8F-FE36-A06F-56F15820A39A}"/>
               </a:ext>
             </a:extLst>
           </p:cNvPr>
@@ -1450,7 +1450,7 @@
           <a:bodyPr/>
           <a:lstStyle/>
           <a:p>
-            <a:fld id="{327FF12C-DD5B-437F-BFF1-009656822807}" type="slidenum">
+            <a:fld id="{24219FCB-6424-45D9-8B3C-1334E577BE33}" type="slidenum">
               <a:rPr lang="zh-CN" altLang="en-US" smtClean="0"/>
               <a:t>‹#›</a:t>
             </a:fld>
@@ -1461,7 +1461,7 @@
     </p:spTree>
     <p:extLst>
       <p:ext uri="{BB962C8B-B14F-4D97-AF65-F5344CB8AC3E}">
-        <p14:creationId xmlns:p14="http://schemas.microsoft.com/office/powerpoint/2010/main" val="206265343"/>
+        <p14:creationId xmlns:p14="http://schemas.microsoft.com/office/powerpoint/2010/main" val="1274999146"/>
       </p:ext>
     </p:extLst>
   </p:cSld>
@@ -1493,7 +1493,7 @@
           <p:cNvPr id="2" name="标题 1">
             <a:extLst>
               <a:ext uri="{FF2B5EF4-FFF2-40B4-BE49-F238E27FC236}">
-                <a16:creationId xmlns:a16="http://schemas.microsoft.com/office/drawing/2014/main" id="{FD3BB37B-1625-B10B-5F58-BED577073AE4}"/>
+                <a16:creationId xmlns:a16="http://schemas.microsoft.com/office/drawing/2014/main" id="{95E0EE76-7769-9FF0-E411-5C0319044FBB}"/>
               </a:ext>
             </a:extLst>
           </p:cNvPr>
@@ -1526,7 +1526,7 @@
           <p:cNvPr id="3" name="文本占位符 2">
             <a:extLst>
               <a:ext uri="{FF2B5EF4-FFF2-40B4-BE49-F238E27FC236}">
-                <a16:creationId xmlns:a16="http://schemas.microsoft.com/office/drawing/2014/main" id="{5B5816AC-726C-4B0E-94CF-C5E1C625264F}"/>
+                <a16:creationId xmlns:a16="http://schemas.microsoft.com/office/drawing/2014/main" id="{97F566CA-A3A8-E46C-7CF9-47B91FDE7784}"/>
               </a:ext>
             </a:extLst>
           </p:cNvPr>
@@ -1597,7 +1597,7 @@
           <p:cNvPr id="4" name="内容占位符 3">
             <a:extLst>
               <a:ext uri="{FF2B5EF4-FFF2-40B4-BE49-F238E27FC236}">
-                <a16:creationId xmlns:a16="http://schemas.microsoft.com/office/drawing/2014/main" id="{15537D19-C48C-C188-6883-A087B0D9E990}"/>
+                <a16:creationId xmlns:a16="http://schemas.microsoft.com/office/drawing/2014/main" id="{6CAAA4B7-46B8-6C89-3398-8313E559C05C}"/>
               </a:ext>
             </a:extLst>
           </p:cNvPr>
@@ -1659,7 +1659,7 @@
           <p:cNvPr id="5" name="文本占位符 4">
             <a:extLst>
               <a:ext uri="{FF2B5EF4-FFF2-40B4-BE49-F238E27FC236}">
-                <a16:creationId xmlns:a16="http://schemas.microsoft.com/office/drawing/2014/main" id="{BAE9FC7C-464D-2911-50D1-EF2EBF5DDA85}"/>
+                <a16:creationId xmlns:a16="http://schemas.microsoft.com/office/drawing/2014/main" id="{A994AE53-3CB5-C363-3993-D50EEF140677}"/>
               </a:ext>
             </a:extLst>
           </p:cNvPr>
@@ -1730,7 +1730,7 @@
           <p:cNvPr id="6" name="内容占位符 5">
             <a:extLst>
               <a:ext uri="{FF2B5EF4-FFF2-40B4-BE49-F238E27FC236}">
-                <a16:creationId xmlns:a16="http://schemas.microsoft.com/office/drawing/2014/main" id="{344959F2-8AEC-26D2-BA34-B43B06AA472F}"/>
+                <a16:creationId xmlns:a16="http://schemas.microsoft.com/office/drawing/2014/main" id="{22D4E559-3B79-1BA0-CAA1-57D5C50D4931}"/>
               </a:ext>
             </a:extLst>
           </p:cNvPr>
@@ -1792,7 +1792,7 @@
           <p:cNvPr id="7" name="日期占位符 6">
             <a:extLst>
               <a:ext uri="{FF2B5EF4-FFF2-40B4-BE49-F238E27FC236}">
-                <a16:creationId xmlns:a16="http://schemas.microsoft.com/office/drawing/2014/main" id="{9DEC5051-D938-1585-8D33-E7E75A508E0C}"/>
+                <a16:creationId xmlns:a16="http://schemas.microsoft.com/office/drawing/2014/main" id="{EF328736-D13F-379A-14F5-A8765259C903}"/>
               </a:ext>
             </a:extLst>
           </p:cNvPr>
@@ -1808,7 +1808,7 @@
           <a:bodyPr/>
           <a:lstStyle/>
           <a:p>
-            <a:fld id="{46D45EB6-4F7C-45C1-B006-C77B7B94AC9B}" type="datetimeFigureOut">
+            <a:fld id="{DC222F5B-35E0-4B1A-A4E1-61B9FD98285A}" type="datetimeFigureOut">
               <a:rPr lang="zh-CN" altLang="en-US" smtClean="0"/>
               <a:t>2024/3/10</a:t>
             </a:fld>
@@ -1821,7 +1821,7 @@
           <p:cNvPr id="8" name="页脚占位符 7">
             <a:extLst>
               <a:ext uri="{FF2B5EF4-FFF2-40B4-BE49-F238E27FC236}">
-                <a16:creationId xmlns:a16="http://schemas.microsoft.com/office/drawing/2014/main" id="{BBBEC1DB-2CF3-8628-F9C7-AE8AB8BA9037}"/>
+                <a16:creationId xmlns:a16="http://schemas.microsoft.com/office/drawing/2014/main" id="{685E3A56-B02D-4D83-0332-E37F197DA662}"/>
               </a:ext>
             </a:extLst>
           </p:cNvPr>
@@ -1846,7 +1846,7 @@
           <p:cNvPr id="9" name="灯片编号占位符 8">
             <a:extLst>
               <a:ext uri="{FF2B5EF4-FFF2-40B4-BE49-F238E27FC236}">
-                <a16:creationId xmlns:a16="http://schemas.microsoft.com/office/drawing/2014/main" id="{A3ABF8BC-197E-BA71-511C-491388F422CC}"/>
+                <a16:creationId xmlns:a16="http://schemas.microsoft.com/office/drawing/2014/main" id="{BBD27A26-A64B-68F1-9B2D-E5A143E1DF50}"/>
               </a:ext>
             </a:extLst>
           </p:cNvPr>
@@ -1862,7 +1862,7 @@
           <a:bodyPr/>
           <a:lstStyle/>
           <a:p>
-            <a:fld id="{327FF12C-DD5B-437F-BFF1-009656822807}" type="slidenum">
+            <a:fld id="{24219FCB-6424-45D9-8B3C-1334E577BE33}" type="slidenum">
               <a:rPr lang="zh-CN" altLang="en-US" smtClean="0"/>
               <a:t>‹#›</a:t>
             </a:fld>
@@ -1873,7 +1873,7 @@
     </p:spTree>
     <p:extLst>
       <p:ext uri="{BB962C8B-B14F-4D97-AF65-F5344CB8AC3E}">
-        <p14:creationId xmlns:p14="http://schemas.microsoft.com/office/powerpoint/2010/main" val="3732549420"/>
+        <p14:creationId xmlns:p14="http://schemas.microsoft.com/office/powerpoint/2010/main" val="2557287312"/>
       </p:ext>
     </p:extLst>
   </p:cSld>
@@ -1905,7 +1905,7 @@
           <p:cNvPr id="2" name="标题 1">
             <a:extLst>
               <a:ext uri="{FF2B5EF4-FFF2-40B4-BE49-F238E27FC236}">
-                <a16:creationId xmlns:a16="http://schemas.microsoft.com/office/drawing/2014/main" id="{8C620963-9680-2B12-FD18-743A9DC4D839}"/>
+                <a16:creationId xmlns:a16="http://schemas.microsoft.com/office/drawing/2014/main" id="{80269FB4-4618-A65F-D824-997B46D78E58}"/>
               </a:ext>
             </a:extLst>
           </p:cNvPr>
@@ -1933,7 +1933,7 @@
           <p:cNvPr id="3" name="日期占位符 2">
             <a:extLst>
               <a:ext uri="{FF2B5EF4-FFF2-40B4-BE49-F238E27FC236}">
-                <a16:creationId xmlns:a16="http://schemas.microsoft.com/office/drawing/2014/main" id="{F7886CD4-73AE-BC46-A910-071A59F3D6C1}"/>
+                <a16:creationId xmlns:a16="http://schemas.microsoft.com/office/drawing/2014/main" id="{8B21B8DD-9482-A67C-9CDC-79C1116F7280}"/>
               </a:ext>
             </a:extLst>
           </p:cNvPr>
@@ -1949,7 +1949,7 @@
           <a:bodyPr/>
           <a:lstStyle/>
           <a:p>
-            <a:fld id="{46D45EB6-4F7C-45C1-B006-C77B7B94AC9B}" type="datetimeFigureOut">
+            <a:fld id="{DC222F5B-35E0-4B1A-A4E1-61B9FD98285A}" type="datetimeFigureOut">
               <a:rPr lang="zh-CN" altLang="en-US" smtClean="0"/>
               <a:t>2024/3/10</a:t>
             </a:fld>
@@ -1962,7 +1962,7 @@
           <p:cNvPr id="4" name="页脚占位符 3">
             <a:extLst>
               <a:ext uri="{FF2B5EF4-FFF2-40B4-BE49-F238E27FC236}">
-                <a16:creationId xmlns:a16="http://schemas.microsoft.com/office/drawing/2014/main" id="{7521E437-1B26-1942-3E25-EB04B4E7087C}"/>
+                <a16:creationId xmlns:a16="http://schemas.microsoft.com/office/drawing/2014/main" id="{6270C49B-5BBD-6067-791A-00DCD26679C6}"/>
               </a:ext>
             </a:extLst>
           </p:cNvPr>
@@ -1987,7 +1987,7 @@
           <p:cNvPr id="5" name="灯片编号占位符 4">
             <a:extLst>
               <a:ext uri="{FF2B5EF4-FFF2-40B4-BE49-F238E27FC236}">
-                <a16:creationId xmlns:a16="http://schemas.microsoft.com/office/drawing/2014/main" id="{1CA35A2A-BA10-CF4A-1C00-BB361B86F764}"/>
+                <a16:creationId xmlns:a16="http://schemas.microsoft.com/office/drawing/2014/main" id="{6699EDE5-8505-904B-B5EF-A990C6CB9CB5}"/>
               </a:ext>
             </a:extLst>
           </p:cNvPr>
@@ -2003,7 +2003,7 @@
           <a:bodyPr/>
           <a:lstStyle/>
           <a:p>
-            <a:fld id="{327FF12C-DD5B-437F-BFF1-009656822807}" type="slidenum">
+            <a:fld id="{24219FCB-6424-45D9-8B3C-1334E577BE33}" type="slidenum">
               <a:rPr lang="zh-CN" altLang="en-US" smtClean="0"/>
               <a:t>‹#›</a:t>
             </a:fld>
@@ -2014,7 +2014,7 @@
     </p:spTree>
     <p:extLst>
       <p:ext uri="{BB962C8B-B14F-4D97-AF65-F5344CB8AC3E}">
-        <p14:creationId xmlns:p14="http://schemas.microsoft.com/office/powerpoint/2010/main" val="1552610074"/>
+        <p14:creationId xmlns:p14="http://schemas.microsoft.com/office/powerpoint/2010/main" val="1934075142"/>
       </p:ext>
     </p:extLst>
   </p:cSld>
@@ -2046,7 +2046,7 @@
           <p:cNvPr id="2" name="日期占位符 1">
             <a:extLst>
               <a:ext uri="{FF2B5EF4-FFF2-40B4-BE49-F238E27FC236}">
-                <a16:creationId xmlns:a16="http://schemas.microsoft.com/office/drawing/2014/main" id="{6F848C38-D7EB-C247-AEBF-FC479E8E9C02}"/>
+                <a16:creationId xmlns:a16="http://schemas.microsoft.com/office/drawing/2014/main" id="{8A9F7076-089A-C923-6C1E-17BC36F8032F}"/>
               </a:ext>
             </a:extLst>
           </p:cNvPr>
@@ -2062,7 +2062,7 @@
           <a:bodyPr/>
           <a:lstStyle/>
           <a:p>
-            <a:fld id="{46D45EB6-4F7C-45C1-B006-C77B7B94AC9B}" type="datetimeFigureOut">
+            <a:fld id="{DC222F5B-35E0-4B1A-A4E1-61B9FD98285A}" type="datetimeFigureOut">
               <a:rPr lang="zh-CN" altLang="en-US" smtClean="0"/>
               <a:t>2024/3/10</a:t>
             </a:fld>
@@ -2075,7 +2075,7 @@
           <p:cNvPr id="3" name="页脚占位符 2">
             <a:extLst>
               <a:ext uri="{FF2B5EF4-FFF2-40B4-BE49-F238E27FC236}">
-                <a16:creationId xmlns:a16="http://schemas.microsoft.com/office/drawing/2014/main" id="{895F8EDB-4021-742E-77D2-2523CAD7F236}"/>
+                <a16:creationId xmlns:a16="http://schemas.microsoft.com/office/drawing/2014/main" id="{69157347-2B0E-7C40-2850-7B079AEF18CB}"/>
               </a:ext>
             </a:extLst>
           </p:cNvPr>
@@ -2100,7 +2100,7 @@
           <p:cNvPr id="4" name="灯片编号占位符 3">
             <a:extLst>
               <a:ext uri="{FF2B5EF4-FFF2-40B4-BE49-F238E27FC236}">
-                <a16:creationId xmlns:a16="http://schemas.microsoft.com/office/drawing/2014/main" id="{CC4BEAAB-082A-D7A1-FB63-6597D87EA797}"/>
+                <a16:creationId xmlns:a16="http://schemas.microsoft.com/office/drawing/2014/main" id="{B4CC8308-EA82-E4B9-8647-7679DD3DB2FB}"/>
               </a:ext>
             </a:extLst>
           </p:cNvPr>
@@ -2116,7 +2116,7 @@
           <a:bodyPr/>
           <a:lstStyle/>
           <a:p>
-            <a:fld id="{327FF12C-DD5B-437F-BFF1-009656822807}" type="slidenum">
+            <a:fld id="{24219FCB-6424-45D9-8B3C-1334E577BE33}" type="slidenum">
               <a:rPr lang="zh-CN" altLang="en-US" smtClean="0"/>
               <a:t>‹#›</a:t>
             </a:fld>
@@ -2127,7 +2127,7 @@
     </p:spTree>
     <p:extLst>
       <p:ext uri="{BB962C8B-B14F-4D97-AF65-F5344CB8AC3E}">
-        <p14:creationId xmlns:p14="http://schemas.microsoft.com/office/powerpoint/2010/main" val="1579332701"/>
+        <p14:creationId xmlns:p14="http://schemas.microsoft.com/office/powerpoint/2010/main" val="2665830997"/>
       </p:ext>
     </p:extLst>
   </p:cSld>
@@ -2159,7 +2159,7 @@
           <p:cNvPr id="2" name="标题 1">
             <a:extLst>
               <a:ext uri="{FF2B5EF4-FFF2-40B4-BE49-F238E27FC236}">
-                <a16:creationId xmlns:a16="http://schemas.microsoft.com/office/drawing/2014/main" id="{4F7F5358-4D6B-FA2B-3D9A-FF6FAC40717A}"/>
+                <a16:creationId xmlns:a16="http://schemas.microsoft.com/office/drawing/2014/main" id="{B74794F5-EE89-0CB4-22F7-11029D7EA4D2}"/>
               </a:ext>
             </a:extLst>
           </p:cNvPr>
@@ -2196,7 +2196,7 @@
           <p:cNvPr id="3" name="内容占位符 2">
             <a:extLst>
               <a:ext uri="{FF2B5EF4-FFF2-40B4-BE49-F238E27FC236}">
-                <a16:creationId xmlns:a16="http://schemas.microsoft.com/office/drawing/2014/main" id="{0347CB3D-2914-9EAA-D32F-15C17CC9815D}"/>
+                <a16:creationId xmlns:a16="http://schemas.microsoft.com/office/drawing/2014/main" id="{61A8B49D-7AF7-67AE-3090-9B68D0C6370B}"/>
               </a:ext>
             </a:extLst>
           </p:cNvPr>
@@ -2286,7 +2286,7 @@
           <p:cNvPr id="4" name="文本占位符 3">
             <a:extLst>
               <a:ext uri="{FF2B5EF4-FFF2-40B4-BE49-F238E27FC236}">
-                <a16:creationId xmlns:a16="http://schemas.microsoft.com/office/drawing/2014/main" id="{F749A492-5AD2-0F6E-E833-3B7F4C84FD8A}"/>
+                <a16:creationId xmlns:a16="http://schemas.microsoft.com/office/drawing/2014/main" id="{66F086BD-1A4C-A837-77F2-D897205D342A}"/>
               </a:ext>
             </a:extLst>
           </p:cNvPr>
@@ -2357,7 +2357,7 @@
           <p:cNvPr id="5" name="日期占位符 4">
             <a:extLst>
               <a:ext uri="{FF2B5EF4-FFF2-40B4-BE49-F238E27FC236}">
-                <a16:creationId xmlns:a16="http://schemas.microsoft.com/office/drawing/2014/main" id="{E5F353A6-FA94-B44A-877E-38858EB4A896}"/>
+                <a16:creationId xmlns:a16="http://schemas.microsoft.com/office/drawing/2014/main" id="{B05613FB-5EB8-C417-CB22-6C56458E9B0C}"/>
               </a:ext>
             </a:extLst>
           </p:cNvPr>
@@ -2373,7 +2373,7 @@
           <a:bodyPr/>
           <a:lstStyle/>
           <a:p>
-            <a:fld id="{46D45EB6-4F7C-45C1-B006-C77B7B94AC9B}" type="datetimeFigureOut">
+            <a:fld id="{DC222F5B-35E0-4B1A-A4E1-61B9FD98285A}" type="datetimeFigureOut">
               <a:rPr lang="zh-CN" altLang="en-US" smtClean="0"/>
               <a:t>2024/3/10</a:t>
             </a:fld>
@@ -2386,7 +2386,7 @@
           <p:cNvPr id="6" name="页脚占位符 5">
             <a:extLst>
               <a:ext uri="{FF2B5EF4-FFF2-40B4-BE49-F238E27FC236}">
-                <a16:creationId xmlns:a16="http://schemas.microsoft.com/office/drawing/2014/main" id="{26637742-D191-771B-229A-A140654930AB}"/>
+                <a16:creationId xmlns:a16="http://schemas.microsoft.com/office/drawing/2014/main" id="{84BAAFBC-BEEF-33BA-90B6-6FF94ABD2623}"/>
               </a:ext>
             </a:extLst>
           </p:cNvPr>
@@ -2411,7 +2411,7 @@
           <p:cNvPr id="7" name="灯片编号占位符 6">
             <a:extLst>
               <a:ext uri="{FF2B5EF4-FFF2-40B4-BE49-F238E27FC236}">
-                <a16:creationId xmlns:a16="http://schemas.microsoft.com/office/drawing/2014/main" id="{41101338-71AE-9657-9E70-8737A7646885}"/>
+                <a16:creationId xmlns:a16="http://schemas.microsoft.com/office/drawing/2014/main" id="{E27B5875-8B86-B07D-914D-8A04815262CF}"/>
               </a:ext>
             </a:extLst>
           </p:cNvPr>
@@ -2427,7 +2427,7 @@
           <a:bodyPr/>
           <a:lstStyle/>
           <a:p>
-            <a:fld id="{327FF12C-DD5B-437F-BFF1-009656822807}" type="slidenum">
+            <a:fld id="{24219FCB-6424-45D9-8B3C-1334E577BE33}" type="slidenum">
               <a:rPr lang="zh-CN" altLang="en-US" smtClean="0"/>
               <a:t>‹#›</a:t>
             </a:fld>
@@ -2438,7 +2438,7 @@
     </p:spTree>
     <p:extLst>
       <p:ext uri="{BB962C8B-B14F-4D97-AF65-F5344CB8AC3E}">
-        <p14:creationId xmlns:p14="http://schemas.microsoft.com/office/powerpoint/2010/main" val="2796707735"/>
+        <p14:creationId xmlns:p14="http://schemas.microsoft.com/office/powerpoint/2010/main" val="946486004"/>
       </p:ext>
     </p:extLst>
   </p:cSld>
@@ -2470,7 +2470,7 @@
           <p:cNvPr id="2" name="标题 1">
             <a:extLst>
               <a:ext uri="{FF2B5EF4-FFF2-40B4-BE49-F238E27FC236}">
-                <a16:creationId xmlns:a16="http://schemas.microsoft.com/office/drawing/2014/main" id="{48427CC8-19A7-6628-AEBA-7A6FB3A5CC37}"/>
+                <a16:creationId xmlns:a16="http://schemas.microsoft.com/office/drawing/2014/main" id="{EC572736-5855-C48B-77AC-278E1CB3B986}"/>
               </a:ext>
             </a:extLst>
           </p:cNvPr>
@@ -2507,7 +2507,7 @@
           <p:cNvPr id="3" name="图片占位符 2">
             <a:extLst>
               <a:ext uri="{FF2B5EF4-FFF2-40B4-BE49-F238E27FC236}">
-                <a16:creationId xmlns:a16="http://schemas.microsoft.com/office/drawing/2014/main" id="{91C2A697-9194-3D10-02EE-D99CD6BDF339}"/>
+                <a16:creationId xmlns:a16="http://schemas.microsoft.com/office/drawing/2014/main" id="{65DF68B2-DCE4-76D8-B716-86D3A4BD10C9}"/>
               </a:ext>
             </a:extLst>
           </p:cNvPr>
@@ -2574,7 +2574,7 @@
           <p:cNvPr id="4" name="文本占位符 3">
             <a:extLst>
               <a:ext uri="{FF2B5EF4-FFF2-40B4-BE49-F238E27FC236}">
-                <a16:creationId xmlns:a16="http://schemas.microsoft.com/office/drawing/2014/main" id="{681AAFA2-E775-7C25-5940-EA232EF23DA4}"/>
+                <a16:creationId xmlns:a16="http://schemas.microsoft.com/office/drawing/2014/main" id="{2B926FEB-919D-972E-9BF4-61614DCE8671}"/>
               </a:ext>
             </a:extLst>
           </p:cNvPr>
@@ -2645,7 +2645,7 @@
           <p:cNvPr id="5" name="日期占位符 4">
             <a:extLst>
               <a:ext uri="{FF2B5EF4-FFF2-40B4-BE49-F238E27FC236}">
-                <a16:creationId xmlns:a16="http://schemas.microsoft.com/office/drawing/2014/main" id="{943E66BF-07FC-A7FF-E921-510707682EBB}"/>
+                <a16:creationId xmlns:a16="http://schemas.microsoft.com/office/drawing/2014/main" id="{D79AD220-27B5-82DE-158A-3DFEFA5E2EB3}"/>
               </a:ext>
             </a:extLst>
           </p:cNvPr>
@@ -2661,7 +2661,7 @@
           <a:bodyPr/>
           <a:lstStyle/>
           <a:p>
-            <a:fld id="{46D45EB6-4F7C-45C1-B006-C77B7B94AC9B}" type="datetimeFigureOut">
+            <a:fld id="{DC222F5B-35E0-4B1A-A4E1-61B9FD98285A}" type="datetimeFigureOut">
               <a:rPr lang="zh-CN" altLang="en-US" smtClean="0"/>
               <a:t>2024/3/10</a:t>
             </a:fld>
@@ -2674,7 +2674,7 @@
           <p:cNvPr id="6" name="页脚占位符 5">
             <a:extLst>
               <a:ext uri="{FF2B5EF4-FFF2-40B4-BE49-F238E27FC236}">
-                <a16:creationId xmlns:a16="http://schemas.microsoft.com/office/drawing/2014/main" id="{ACEAFAA5-3BBC-5FC0-0114-C34EE2791B15}"/>
+                <a16:creationId xmlns:a16="http://schemas.microsoft.com/office/drawing/2014/main" id="{5D210785-0BEF-D39B-9E48-BCA454209695}"/>
               </a:ext>
             </a:extLst>
           </p:cNvPr>
@@ -2699,7 +2699,7 @@
           <p:cNvPr id="7" name="灯片编号占位符 6">
             <a:extLst>
               <a:ext uri="{FF2B5EF4-FFF2-40B4-BE49-F238E27FC236}">
-                <a16:creationId xmlns:a16="http://schemas.microsoft.com/office/drawing/2014/main" id="{5433B667-FC9A-1822-B2EE-D394D86A7EC2}"/>
+                <a16:creationId xmlns:a16="http://schemas.microsoft.com/office/drawing/2014/main" id="{548DE79E-B081-BC49-DD44-A12502ABB6EB}"/>
               </a:ext>
             </a:extLst>
           </p:cNvPr>
@@ -2715,7 +2715,7 @@
           <a:bodyPr/>
           <a:lstStyle/>
           <a:p>
-            <a:fld id="{327FF12C-DD5B-437F-BFF1-009656822807}" type="slidenum">
+            <a:fld id="{24219FCB-6424-45D9-8B3C-1334E577BE33}" type="slidenum">
               <a:rPr lang="zh-CN" altLang="en-US" smtClean="0"/>
               <a:t>‹#›</a:t>
             </a:fld>
@@ -2726,7 +2726,7 @@
     </p:spTree>
     <p:extLst>
       <p:ext uri="{BB962C8B-B14F-4D97-AF65-F5344CB8AC3E}">
-        <p14:creationId xmlns:p14="http://schemas.microsoft.com/office/powerpoint/2010/main" val="553539989"/>
+        <p14:creationId xmlns:p14="http://schemas.microsoft.com/office/powerpoint/2010/main" val="3706476238"/>
       </p:ext>
     </p:extLst>
   </p:cSld>
@@ -2763,7 +2763,7 @@
           <p:cNvPr id="2" name="标题占位符 1">
             <a:extLst>
               <a:ext uri="{FF2B5EF4-FFF2-40B4-BE49-F238E27FC236}">
-                <a16:creationId xmlns:a16="http://schemas.microsoft.com/office/drawing/2014/main" id="{571D3391-C9B3-7B4B-3B1E-BCF7AD3B63D9}"/>
+                <a16:creationId xmlns:a16="http://schemas.microsoft.com/office/drawing/2014/main" id="{BC121B01-3C53-9273-8713-5BF6FCDB1EE0}"/>
               </a:ext>
             </a:extLst>
           </p:cNvPr>
@@ -2801,7 +2801,7 @@
           <p:cNvPr id="3" name="文本占位符 2">
             <a:extLst>
               <a:ext uri="{FF2B5EF4-FFF2-40B4-BE49-F238E27FC236}">
-                <a16:creationId xmlns:a16="http://schemas.microsoft.com/office/drawing/2014/main" id="{3C6E2EFF-657C-AAC9-7EE1-D207848433EC}"/>
+                <a16:creationId xmlns:a16="http://schemas.microsoft.com/office/drawing/2014/main" id="{558F7956-D9F5-73D8-EB80-54156E92E65F}"/>
               </a:ext>
             </a:extLst>
           </p:cNvPr>
@@ -2868,7 +2868,7 @@
           <p:cNvPr id="4" name="日期占位符 3">
             <a:extLst>
               <a:ext uri="{FF2B5EF4-FFF2-40B4-BE49-F238E27FC236}">
-                <a16:creationId xmlns:a16="http://schemas.microsoft.com/office/drawing/2014/main" id="{AB1638ED-8AFC-DCD3-8850-38825F318C30}"/>
+                <a16:creationId xmlns:a16="http://schemas.microsoft.com/office/drawing/2014/main" id="{A381EB41-7721-F2FA-A416-F4DC9C076C3B}"/>
               </a:ext>
             </a:extLst>
           </p:cNvPr>
@@ -2902,7 +2902,7 @@
             </a:lvl1pPr>
           </a:lstStyle>
           <a:p>
-            <a:fld id="{46D45EB6-4F7C-45C1-B006-C77B7B94AC9B}" type="datetimeFigureOut">
+            <a:fld id="{DC222F5B-35E0-4B1A-A4E1-61B9FD98285A}" type="datetimeFigureOut">
               <a:rPr lang="zh-CN" altLang="en-US" smtClean="0"/>
               <a:t>2024/3/10</a:t>
             </a:fld>
@@ -2915,7 +2915,7 @@
           <p:cNvPr id="5" name="页脚占位符 4">
             <a:extLst>
               <a:ext uri="{FF2B5EF4-FFF2-40B4-BE49-F238E27FC236}">
-                <a16:creationId xmlns:a16="http://schemas.microsoft.com/office/drawing/2014/main" id="{97997041-A550-E278-E94A-7A12A30D7A4A}"/>
+                <a16:creationId xmlns:a16="http://schemas.microsoft.com/office/drawing/2014/main" id="{CA427A7A-9D40-2EF8-052E-6916BD427B0B}"/>
               </a:ext>
             </a:extLst>
           </p:cNvPr>
@@ -2958,7 +2958,7 @@
           <p:cNvPr id="6" name="灯片编号占位符 5">
             <a:extLst>
               <a:ext uri="{FF2B5EF4-FFF2-40B4-BE49-F238E27FC236}">
-                <a16:creationId xmlns:a16="http://schemas.microsoft.com/office/drawing/2014/main" id="{E98B22CD-E621-7F20-8189-816831251FC1}"/>
+                <a16:creationId xmlns:a16="http://schemas.microsoft.com/office/drawing/2014/main" id="{E39A882D-B77E-EB3E-206E-72F512BDB907}"/>
               </a:ext>
             </a:extLst>
           </p:cNvPr>
@@ -2992,7 +2992,7 @@
             </a:lvl1pPr>
           </a:lstStyle>
           <a:p>
-            <a:fld id="{327FF12C-DD5B-437F-BFF1-009656822807}" type="slidenum">
+            <a:fld id="{24219FCB-6424-45D9-8B3C-1334E577BE33}" type="slidenum">
               <a:rPr lang="zh-CN" altLang="en-US" smtClean="0"/>
               <a:t>‹#›</a:t>
             </a:fld>
@@ -3003,7 +3003,7 @@
     </p:spTree>
     <p:extLst>
       <p:ext uri="{BB962C8B-B14F-4D97-AF65-F5344CB8AC3E}">
-        <p14:creationId xmlns:p14="http://schemas.microsoft.com/office/powerpoint/2010/main" val="995592019"/>
+        <p14:creationId xmlns:p14="http://schemas.microsoft.com/office/powerpoint/2010/main" val="3237825277"/>
       </p:ext>
     </p:extLst>
   </p:cSld>
